--- a/Sprint 1 documents/Sprint1Demo.pptx
+++ b/Sprint 1 documents/Sprint1Demo.pptx
@@ -131,6 +131,11 @@
       </a:defRPr>
     </a:lvl9pPr>
   </p:defaultTextStyle>
+  <p:extLst>
+    <p:ext uri="{EFAFB233-063F-42B5-8137-9DF3F51BA10A}">
+      <p15:sldGuideLst xmlns:p15="http://schemas.microsoft.com/office/powerpoint/2012/main"/>
+    </p:ext>
+  </p:extLst>
 </p:presentation>
 </file>
 
@@ -6527,7 +6532,7 @@
         <p:spPr>
           <a:xfrm>
             <a:off x="753535" y="1570127"/>
-            <a:ext cx="10879666" cy="3970318"/>
+            <a:ext cx="10879666" cy="4401205"/>
           </a:xfrm>
           <a:prstGeom prst="rect">
             <a:avLst/>
@@ -6568,11 +6573,14 @@
               <a:buFont typeface="Arial" panose="020B0604020202020204" pitchFamily="34" charset="0"/>
               <a:buChar char="•"/>
             </a:pPr>
-            <a:endParaRPr lang="en-US" sz="2800" dirty="0">
-              <a:solidFill>
-                <a:srgbClr val="224840"/>
-              </a:solidFill>
-            </a:endParaRPr>
+            <a:r>
+              <a:rPr lang="en-US" sz="2800" dirty="0">
+                <a:solidFill>
+                  <a:srgbClr val="224840"/>
+                </a:solidFill>
+              </a:rPr>
+              <a:t>Add feature for user’s to be able to ‘peak’ at what they type in password field</a:t>
+            </a:r>
           </a:p>
           <a:p>
             <a:pPr marL="457200" indent="-457200">
@@ -10163,7 +10171,7 @@
         <p:spPr>
           <a:xfrm>
             <a:off x="753535" y="1570127"/>
-            <a:ext cx="10879666" cy="3970318"/>
+            <a:ext cx="10879666" cy="4401205"/>
           </a:xfrm>
           <a:prstGeom prst="rect">
             <a:avLst/>
@@ -10218,11 +10226,14 @@
               <a:buFont typeface="Arial" panose="020B0604020202020204" pitchFamily="34" charset="0"/>
               <a:buChar char="•"/>
             </a:pPr>
-            <a:endParaRPr lang="en-US" sz="2800" dirty="0">
-              <a:solidFill>
-                <a:srgbClr val="224840"/>
-              </a:solidFill>
-            </a:endParaRPr>
+            <a:r>
+              <a:rPr lang="en-US" sz="2800" dirty="0">
+                <a:solidFill>
+                  <a:srgbClr val="224840"/>
+                </a:solidFill>
+              </a:rPr>
+              <a:t>Add feature for user’s to be able to ‘peak’ at what they type in password field</a:t>
+            </a:r>
           </a:p>
           <a:p>
             <a:pPr marL="457200" indent="-457200">
